--- a/Slides/Starting.pptx
+++ b/Slides/Starting.pptx
@@ -113,7 +113,72 @@
       </a:defRPr>
     </a:lvl9pPr>
   </p:defaultTextStyle>
+  <p:extLst>
+    <p:ext uri="{EFAFB233-063F-42B5-8137-9DF3F51BA10A}">
+      <p15:sldGuideLst xmlns:p15="http://schemas.microsoft.com/office/powerpoint/2012/main"/>
+    </p:ext>
+  </p:extLst>
 </p:presentation>
+</file>
+
+<file path=ppt/changesInfos/changesInfo1.xml><?xml version="1.0" encoding="utf-8"?>
+<pc:chgInfo xmlns:a="http://schemas.openxmlformats.org/drawingml/2006/main" xmlns:r="http://schemas.openxmlformats.org/officeDocument/2006/relationships" xmlns:ac="http://schemas.microsoft.com/office/drawing/2013/main/command" xmlns:pc="http://schemas.microsoft.com/office/powerpoint/2013/main/command">
+  <pc:docChgLst>
+    <pc:chgData name="Rob Sewell" userId="c802df42025d5e1f" providerId="LiveId" clId="{202396F1-3386-428C-AA55-547516E93AEE}"/>
+    <pc:docChg chg="custSel modSld">
+      <pc:chgData name="Rob Sewell" userId="c802df42025d5e1f" providerId="LiveId" clId="{202396F1-3386-428C-AA55-547516E93AEE}" dt="2022-10-03T13:29:51.896" v="97" actId="729"/>
+      <pc:docMkLst>
+        <pc:docMk/>
+      </pc:docMkLst>
+      <pc:sldChg chg="mod modShow">
+        <pc:chgData name="Rob Sewell" userId="c802df42025d5e1f" providerId="LiveId" clId="{202396F1-3386-428C-AA55-547516E93AEE}" dt="2022-10-03T13:27:13.936" v="0" actId="729"/>
+        <pc:sldMkLst>
+          <pc:docMk/>
+          <pc:sldMk cId="50257884" sldId="665"/>
+        </pc:sldMkLst>
+      </pc:sldChg>
+      <pc:sldChg chg="modSp mod modShow">
+        <pc:chgData name="Rob Sewell" userId="c802df42025d5e1f" providerId="LiveId" clId="{202396F1-3386-428C-AA55-547516E93AEE}" dt="2022-10-03T13:29:51.896" v="97" actId="729"/>
+        <pc:sldMkLst>
+          <pc:docMk/>
+          <pc:sldMk cId="4068619651" sldId="667"/>
+        </pc:sldMkLst>
+        <pc:spChg chg="mod">
+          <ac:chgData name="Rob Sewell" userId="c802df42025d5e1f" providerId="LiveId" clId="{202396F1-3386-428C-AA55-547516E93AEE}" dt="2022-10-03T13:29:47.491" v="96" actId="20577"/>
+          <ac:spMkLst>
+            <pc:docMk/>
+            <pc:sldMk cId="4068619651" sldId="667"/>
+            <ac:spMk id="8" creationId="{181A4EFE-C712-4C8E-8A22-FF6C48995DE8}"/>
+          </ac:spMkLst>
+        </pc:spChg>
+        <pc:spChg chg="mod">
+          <ac:chgData name="Rob Sewell" userId="c802df42025d5e1f" providerId="LiveId" clId="{202396F1-3386-428C-AA55-547516E93AEE}" dt="2022-10-03T13:29:01.340" v="44" actId="1076"/>
+          <ac:spMkLst>
+            <pc:docMk/>
+            <pc:sldMk cId="4068619651" sldId="667"/>
+            <ac:spMk id="9" creationId="{D29F5140-077E-4CA2-B505-E29998AD4A6F}"/>
+          </ac:spMkLst>
+        </pc:spChg>
+        <pc:spChg chg="mod">
+          <ac:chgData name="Rob Sewell" userId="c802df42025d5e1f" providerId="LiveId" clId="{202396F1-3386-428C-AA55-547516E93AEE}" dt="2022-10-03T13:28:57.321" v="43" actId="1076"/>
+          <ac:spMkLst>
+            <pc:docMk/>
+            <pc:sldMk cId="4068619651" sldId="667"/>
+            <ac:spMk id="10" creationId="{ACB2CF59-81BF-4329-B87E-FFCCA28E2CA6}"/>
+          </ac:spMkLst>
+        </pc:spChg>
+        <pc:spChg chg="mod">
+          <ac:chgData name="Rob Sewell" userId="c802df42025d5e1f" providerId="LiveId" clId="{202396F1-3386-428C-AA55-547516E93AEE}" dt="2022-10-03T13:28:53.699" v="42" actId="1076"/>
+          <ac:spMkLst>
+            <pc:docMk/>
+            <pc:sldMk cId="4068619651" sldId="667"/>
+            <ac:spMk id="11" creationId="{AE865CA2-5776-4CC2-A0CC-BE94E15FD068}"/>
+          </ac:spMkLst>
+        </pc:spChg>
+      </pc:sldChg>
+    </pc:docChg>
+  </pc:docChgLst>
+</pc:chgInfo>
 </file>
 
 <file path=ppt/notesMasters/notesMaster1.xml><?xml version="1.0" encoding="utf-8"?>
@@ -198,7 +263,7 @@
           <a:p>
             <a:fld id="{9AF494E3-5E74-4073-94F6-36CE161B39EC}" type="datetimeFigureOut">
               <a:rPr lang="en-GB" smtClean="0"/>
-              <a:t>01/10/2022</a:t>
+              <a:t>03/10/2022</a:t>
             </a:fld>
             <a:endParaRPr lang="en-GB"/>
           </a:p>
@@ -699,7 +764,7 @@
           <a:p>
             <a:fld id="{2C05DB28-97D1-49B2-8368-8ADA98FB4D4B}" type="datetimeFigureOut">
               <a:rPr lang="en-GB" smtClean="0"/>
-              <a:t>01/10/2022</a:t>
+              <a:t>03/10/2022</a:t>
             </a:fld>
             <a:endParaRPr lang="en-GB"/>
           </a:p>
@@ -899,7 +964,7 @@
           <a:p>
             <a:fld id="{2C05DB28-97D1-49B2-8368-8ADA98FB4D4B}" type="datetimeFigureOut">
               <a:rPr lang="en-GB" smtClean="0"/>
-              <a:t>01/10/2022</a:t>
+              <a:t>03/10/2022</a:t>
             </a:fld>
             <a:endParaRPr lang="en-GB"/>
           </a:p>
@@ -1109,7 +1174,7 @@
           <a:p>
             <a:fld id="{2C05DB28-97D1-49B2-8368-8ADA98FB4D4B}" type="datetimeFigureOut">
               <a:rPr lang="en-GB" smtClean="0"/>
-              <a:t>01/10/2022</a:t>
+              <a:t>03/10/2022</a:t>
             </a:fld>
             <a:endParaRPr lang="en-GB"/>
           </a:p>
@@ -1838,7 +1903,7 @@
           <a:p>
             <a:fld id="{2C05DB28-97D1-49B2-8368-8ADA98FB4D4B}" type="datetimeFigureOut">
               <a:rPr lang="en-GB" smtClean="0"/>
-              <a:t>01/10/2022</a:t>
+              <a:t>03/10/2022</a:t>
             </a:fld>
             <a:endParaRPr lang="en-GB"/>
           </a:p>
@@ -2114,7 +2179,7 @@
           <a:p>
             <a:fld id="{2C05DB28-97D1-49B2-8368-8ADA98FB4D4B}" type="datetimeFigureOut">
               <a:rPr lang="en-GB" smtClean="0"/>
-              <a:t>01/10/2022</a:t>
+              <a:t>03/10/2022</a:t>
             </a:fld>
             <a:endParaRPr lang="en-GB"/>
           </a:p>
@@ -2382,7 +2447,7 @@
           <a:p>
             <a:fld id="{2C05DB28-97D1-49B2-8368-8ADA98FB4D4B}" type="datetimeFigureOut">
               <a:rPr lang="en-GB" smtClean="0"/>
-              <a:t>01/10/2022</a:t>
+              <a:t>03/10/2022</a:t>
             </a:fld>
             <a:endParaRPr lang="en-GB"/>
           </a:p>
@@ -2797,7 +2862,7 @@
           <a:p>
             <a:fld id="{2C05DB28-97D1-49B2-8368-8ADA98FB4D4B}" type="datetimeFigureOut">
               <a:rPr lang="en-GB" smtClean="0"/>
-              <a:t>01/10/2022</a:t>
+              <a:t>03/10/2022</a:t>
             </a:fld>
             <a:endParaRPr lang="en-GB"/>
           </a:p>
@@ -2939,7 +3004,7 @@
           <a:p>
             <a:fld id="{2C05DB28-97D1-49B2-8368-8ADA98FB4D4B}" type="datetimeFigureOut">
               <a:rPr lang="en-GB" smtClean="0"/>
-              <a:t>01/10/2022</a:t>
+              <a:t>03/10/2022</a:t>
             </a:fld>
             <a:endParaRPr lang="en-GB"/>
           </a:p>
@@ -3052,7 +3117,7 @@
           <a:p>
             <a:fld id="{2C05DB28-97D1-49B2-8368-8ADA98FB4D4B}" type="datetimeFigureOut">
               <a:rPr lang="en-GB" smtClean="0"/>
-              <a:t>01/10/2022</a:t>
+              <a:t>03/10/2022</a:t>
             </a:fld>
             <a:endParaRPr lang="en-GB"/>
           </a:p>
@@ -3365,7 +3430,7 @@
           <a:p>
             <a:fld id="{2C05DB28-97D1-49B2-8368-8ADA98FB4D4B}" type="datetimeFigureOut">
               <a:rPr lang="en-GB" smtClean="0"/>
-              <a:t>01/10/2022</a:t>
+              <a:t>03/10/2022</a:t>
             </a:fld>
             <a:endParaRPr lang="en-GB"/>
           </a:p>
@@ -3654,7 +3719,7 @@
           <a:p>
             <a:fld id="{2C05DB28-97D1-49B2-8368-8ADA98FB4D4B}" type="datetimeFigureOut">
               <a:rPr lang="en-GB" smtClean="0"/>
-              <a:t>01/10/2022</a:t>
+              <a:t>03/10/2022</a:t>
             </a:fld>
             <a:endParaRPr lang="en-GB"/>
           </a:p>
@@ -3897,7 +3962,7 @@
           <a:p>
             <a:fld id="{2C05DB28-97D1-49B2-8368-8ADA98FB4D4B}" type="datetimeFigureOut">
               <a:rPr lang="en-GB" smtClean="0"/>
-              <a:t>01/10/2022</a:t>
+              <a:t>03/10/2022</a:t>
             </a:fld>
             <a:endParaRPr lang="en-GB"/>
           </a:p>
@@ -4490,7 +4555,7 @@
 </file>
 
 <file path=ppt/slides/slide3.xml><?xml version="1.0" encoding="utf-8"?>
-<p:sld xmlns:a="http://schemas.openxmlformats.org/drawingml/2006/main" xmlns:r="http://schemas.openxmlformats.org/officeDocument/2006/relationships" xmlns:p="http://schemas.openxmlformats.org/presentationml/2006/main" show="0">
+<p:sld xmlns:a="http://schemas.openxmlformats.org/drawingml/2006/main" xmlns:r="http://schemas.openxmlformats.org/officeDocument/2006/relationships" xmlns:p="http://schemas.openxmlformats.org/presentationml/2006/main">
   <p:cSld>
     <p:spTree>
       <p:nvGrpSpPr>
@@ -7232,7 +7297,7 @@
 </file>
 
 <file path=ppt/slides/slide5.xml><?xml version="1.0" encoding="utf-8"?>
-<p:sld xmlns:a="http://schemas.openxmlformats.org/drawingml/2006/main" xmlns:r="http://schemas.openxmlformats.org/officeDocument/2006/relationships" xmlns:p="http://schemas.openxmlformats.org/presentationml/2006/main" show="0">
+<p:sld xmlns:a="http://schemas.openxmlformats.org/drawingml/2006/main" xmlns:r="http://schemas.openxmlformats.org/officeDocument/2006/relationships" xmlns:p="http://schemas.openxmlformats.org/presentationml/2006/main">
   <p:cSld>
     <p:spTree>
       <p:nvGrpSpPr>
@@ -7272,7 +7337,7 @@
             <a:pPr algn="ctr"/>
             <a:r>
               <a:rPr lang="en-GB" dirty="0"/>
-              <a:t>It’s Weird – It’s New – It’s OK</a:t>
+              <a:t>Be Excellent To Each Other</a:t>
             </a:r>
           </a:p>
         </p:txBody>
@@ -7291,7 +7356,7 @@
         </p:nvSpPr>
         <p:spPr>
           <a:xfrm>
-            <a:off x="6580094" y="1488141"/>
+            <a:off x="6621930" y="2210687"/>
             <a:ext cx="5420659" cy="1815882"/>
           </a:xfrm>
           <a:prstGeom prst="rect">
@@ -7344,7 +7409,7 @@
         </p:nvSpPr>
         <p:spPr>
           <a:xfrm>
-            <a:off x="838200" y="1547906"/>
+            <a:off x="838200" y="2210687"/>
             <a:ext cx="5604435" cy="2308324"/>
           </a:xfrm>
           <a:prstGeom prst="rect">
@@ -7464,8 +7529,8 @@
         </p:nvSpPr>
         <p:spPr>
           <a:xfrm>
-            <a:off x="838200" y="3711388"/>
-            <a:ext cx="10515600" cy="1477328"/>
+            <a:off x="760506" y="5039011"/>
+            <a:ext cx="10515600" cy="923330"/>
           </a:xfrm>
           <a:prstGeom prst="rect">
             <a:avLst/>
@@ -7480,31 +7545,12 @@
           <a:p>
             <a:r>
               <a:rPr lang="en-GB" dirty="0"/>
-              <a:t>Remote or in person, please add to the Miro board anything that you would like to see and we will do our very best to demo/show/answer anything that we can – We LOVE going down the rabbit hole ;-)</a:t>
+              <a:t>Please ask anything would like to see and we will do our very best to demo/show/answer anything that we can – We LOVE going down the rabbit hole ;-)</a:t>
             </a:r>
             <a:br>
               <a:rPr lang="en-GB" dirty="0"/>
             </a:br>
-            <a:br>
-              <a:rPr lang="en-GB" dirty="0"/>
-            </a:br>
-            <a:br>
-              <a:rPr lang="en-GB" dirty="0"/>
-            </a:br>
-            <a:r>
-              <a:rPr lang="en-GB" dirty="0"/>
-              <a:t>The Miro Board link is </a:t>
-            </a:r>
-            <a:r>
-              <a:rPr lang="en-GB" dirty="0">
-                <a:hlinkClick r:id="rId2"/>
-              </a:rPr>
-              <a:t>https://beard.media/questions</a:t>
-            </a:r>
-            <a:r>
-              <a:rPr lang="en-GB" dirty="0"/>
-              <a:t> </a:t>
-            </a:r>
+            <a:endParaRPr lang="en-GB" dirty="0"/>
           </a:p>
         </p:txBody>
       </p:sp>
